--- a/Front-end_Team_Meeting_#4.pptx
+++ b/Front-end_Team_Meeting_#4.pptx
@@ -8,6 +8,7 @@
     <p:sldId id="256" r:id="rId2"/>
     <p:sldId id="257" r:id="rId3"/>
     <p:sldId id="258" r:id="rId4"/>
+    <p:sldId id="259" r:id="rId5"/>
   </p:sldIdLst>
   <p:sldSz cx="9144000" cy="6858000" type="screen4x3"/>
   <p:notesSz cx="6858000" cy="9144000"/>
@@ -3101,11 +3102,7 @@
           <a:p>
             <a:r>
               <a:rPr lang="en-US" dirty="0" smtClean="0"/>
-              <a:t>25</a:t>
-            </a:r>
-            <a:r>
-              <a:rPr lang="en-US" dirty="0" smtClean="0"/>
-              <a:t>/04/2019</a:t>
+              <a:t>25/04/2019</a:t>
             </a:r>
             <a:endParaRPr lang="en-US" dirty="0"/>
           </a:p>
@@ -3229,7 +3226,6 @@
               <a:rPr lang="en-US" b="1" dirty="0" smtClean="0"/>
               <a:t>React-js Project 1: Todo List</a:t>
             </a:r>
-            <a:endParaRPr lang="en-US" b="1" dirty="0" smtClean="0"/>
           </a:p>
         </p:txBody>
       </p:sp>
@@ -3243,44 +3239,155 @@
             <p:ph idx="1"/>
           </p:nvPr>
         </p:nvSpPr>
-        <p:spPr/>
+        <p:spPr>
+          <a:xfrm>
+            <a:off x="457200" y="1371600"/>
+            <a:ext cx="8229600" cy="4754563"/>
+          </a:xfrm>
+        </p:spPr>
         <p:txBody>
           <a:bodyPr>
             <a:normAutofit/>
           </a:bodyPr>
           <a:lstStyle/>
           <a:p>
+            <a:pPr>
+              <a:buNone/>
+            </a:pPr>
             <a:r>
               <a:rPr lang="en-US" dirty="0" smtClean="0"/>
-              <a:t>Complete this in 3 weeks</a:t>
-            </a:r>
-            <a:r>
-              <a:rPr lang="en-US" dirty="0" smtClean="0"/>
-              <a:t>.</a:t>
-            </a:r>
-          </a:p>
-          <a:p>
-            <a:r>
-              <a:rPr lang="en-US" dirty="0" smtClean="0"/>
-              <a:t>Submit this project to git-hub before the next meeting 16 May 2019.</a:t>
-            </a:r>
-          </a:p>
-          <a:p>
-            <a:r>
-              <a:rPr lang="en-US" dirty="0" smtClean="0"/>
-              <a:t>Git-hub repository link:  </a:t>
-            </a:r>
+              <a:t>Reference links:</a:t>
+            </a:r>
+          </a:p>
+          <a:p>
             <a:r>
               <a:rPr lang="en-US" dirty="0" smtClean="0">
                 <a:hlinkClick r:id="rId2"/>
               </a:rPr>
-              <a:t>https://</a:t>
+              <a:t>https://viblo.asia/p/hoc-reactjs-thong-qua-vi-du-phan-1-yMnKMnGaZ7P</a:t>
+            </a:r>
+            <a:r>
+              <a:rPr lang="en-US" dirty="0" smtClean="0"/>
+              <a:t> </a:t>
+            </a:r>
+          </a:p>
+          <a:p>
+            <a:r>
+              <a:rPr lang="en-US" dirty="0" smtClean="0">
+                <a:hlinkClick r:id="rId3"/>
+              </a:rPr>
+              <a:t>https://www.youtube.com/watch?v=494HPoUmqdI&amp;list=PLJ5qtRQovuEOoKffoCBzTfvzMTTORnoyp&amp;index=16</a:t>
+            </a:r>
+            <a:endParaRPr lang="en-US" dirty="0" smtClean="0"/>
+          </a:p>
+          <a:p>
+            <a:pPr>
+              <a:buNone/>
+            </a:pPr>
+            <a:endParaRPr lang="en-US" dirty="0" smtClean="0"/>
+          </a:p>
+        </p:txBody>
+      </p:sp>
+    </p:spTree>
+  </p:cSld>
+  <p:clrMapOvr>
+    <a:masterClrMapping/>
+  </p:clrMapOvr>
+</p:sld>
+</file>
+
+<file path=ppt/slides/slide4.xml><?xml version="1.0" encoding="utf-8"?>
+<p:sld xmlns:a="http://schemas.openxmlformats.org/drawingml/2006/main" xmlns:r="http://schemas.openxmlformats.org/officeDocument/2006/relationships" xmlns:p="http://schemas.openxmlformats.org/presentationml/2006/main">
+  <p:cSld>
+    <p:spTree>
+      <p:nvGrpSpPr>
+        <p:cNvPr id="1" name=""/>
+        <p:cNvGrpSpPr/>
+        <p:nvPr/>
+      </p:nvGrpSpPr>
+      <p:grpSpPr>
+        <a:xfrm>
+          <a:off x="0" y="0"/>
+          <a:ext cx="0" cy="0"/>
+          <a:chOff x="0" y="0"/>
+          <a:chExt cx="0" cy="0"/>
+        </a:xfrm>
+      </p:grpSpPr>
+      <p:sp>
+        <p:nvSpPr>
+          <p:cNvPr id="2" name="Title 1"/>
+          <p:cNvSpPr>
+            <a:spLocks noGrp="1"/>
+          </p:cNvSpPr>
+          <p:nvPr>
+            <p:ph type="title"/>
+          </p:nvPr>
+        </p:nvSpPr>
+        <p:spPr/>
+        <p:txBody>
+          <a:bodyPr>
+            <a:normAutofit/>
+          </a:bodyPr>
+          <a:lstStyle/>
+          <a:p>
+            <a:r>
+              <a:rPr lang="en-US" b="1" dirty="0" smtClean="0"/>
+              <a:t>React-js Project 1: Todo List</a:t>
+            </a:r>
+          </a:p>
+        </p:txBody>
+      </p:sp>
+      <p:sp>
+        <p:nvSpPr>
+          <p:cNvPr id="3" name="Content Placeholder 2"/>
+          <p:cNvSpPr>
+            <a:spLocks noGrp="1"/>
+          </p:cNvSpPr>
+          <p:nvPr>
+            <p:ph idx="1"/>
+          </p:nvPr>
+        </p:nvSpPr>
+        <p:spPr>
+          <a:xfrm>
+            <a:off x="457200" y="1371600"/>
+            <a:ext cx="8229600" cy="4754563"/>
+          </a:xfrm>
+        </p:spPr>
+        <p:txBody>
+          <a:bodyPr>
+            <a:normAutofit/>
+          </a:bodyPr>
+          <a:lstStyle/>
+          <a:p>
+            <a:r>
+              <a:rPr lang="en-US" dirty="0" smtClean="0"/>
+              <a:t>Complete this in 3 weeks.</a:t>
+            </a:r>
+          </a:p>
+          <a:p>
+            <a:r>
+              <a:rPr lang="en-US" dirty="0" smtClean="0"/>
+              <a:t>Submit this project to git-hub before the next meeting 16 May 2019</a:t>
+            </a:r>
+            <a:r>
+              <a:rPr lang="en-US" dirty="0" smtClean="0"/>
+              <a:t>.</a:t>
+            </a:r>
+          </a:p>
+          <a:p>
+            <a:r>
+              <a:rPr lang="en-US" dirty="0" smtClean="0"/>
+              <a:t>Git-hub </a:t>
+            </a:r>
+            <a:r>
+              <a:rPr lang="en-US" dirty="0" smtClean="0"/>
+              <a:t>repository link:  </a:t>
             </a:r>
             <a:r>
               <a:rPr lang="en-US" dirty="0" smtClean="0">
                 <a:hlinkClick r:id="rId2"/>
               </a:rPr>
-              <a:t>github.com/tnnha76/reactjs-practice-projects</a:t>
+              <a:t>https://github.com/tnnha76/reactjs-practice-projects</a:t>
             </a:r>
             <a:endParaRPr lang="en-US" dirty="0" smtClean="0"/>
           </a:p>
